--- a/sample.pptx
+++ b/sample.pptx
@@ -3203,7 +3203,7 @@
       </p:sp>
       <p:pic>
         <p:nvPicPr>
-          <p:cNvPr id="5" name="Picture 4" descr="Meta Llama 2Model Family.png"/>
+          <p:cNvPr id="7" name="Picture 6" descr="AzureCosmos DB.png"/>
           <p:cNvPicPr>
             <a:picLocks noChangeAspect="1"/>
           </p:cNvPicPr>
@@ -3217,8 +3217,8 @@
         </p:blipFill>
         <p:spPr>
           <a:xfrm>
-            <a:off x="3549535" y="1935303"/>
-            <a:ext cx="457200" cy="304085"/>
+            <a:off x="5104015" y="1864426"/>
+            <a:ext cx="457200" cy="457200"/>
           </a:xfrm>
           <a:prstGeom prst="rect">
             <a:avLst/>
@@ -3227,13 +3227,13 @@
       </p:pic>
       <p:sp>
         <p:nvSpPr>
-          <p:cNvPr id="6" name="TextBox 5"/>
+          <p:cNvPr id="8" name="TextBox 7"/>
           <p:cNvSpPr txBox="1"/>
           <p:nvPr/>
         </p:nvSpPr>
         <p:spPr>
           <a:xfrm>
-            <a:off x="3092335" y="2330828"/>
+            <a:off x="4646815" y="2413066"/>
             <a:ext cx="1371600" cy="457200"/>
           </a:xfrm>
           <a:prstGeom prst="rect">
@@ -3255,14 +3255,14 @@
               </a:defRPr>
             </a:pPr>
             <a:r>
-              <a:t>Meta Llama 2Model Family</a:t>
+              <a:t>AzureCosmos DB</a:t>
             </a:r>
           </a:p>
         </p:txBody>
       </p:sp>
       <p:pic>
         <p:nvPicPr>
-          <p:cNvPr id="7" name="Picture 6" descr="AzureCosmos DB.png"/>
+          <p:cNvPr id="9" name="Picture 8" descr="Visual Studio.png"/>
           <p:cNvPicPr>
             <a:picLocks noChangeAspect="1"/>
           </p:cNvPicPr>
@@ -3276,8 +3276,8 @@
         </p:blipFill>
         <p:spPr>
           <a:xfrm>
-            <a:off x="5104015" y="1864426"/>
-            <a:ext cx="457200" cy="457200"/>
+            <a:off x="6658495" y="2012838"/>
+            <a:ext cx="457200" cy="357187"/>
           </a:xfrm>
           <a:prstGeom prst="rect">
             <a:avLst/>
@@ -3286,13 +3286,13 @@
       </p:pic>
       <p:sp>
         <p:nvSpPr>
-          <p:cNvPr id="8" name="TextBox 7"/>
+          <p:cNvPr id="10" name="TextBox 9"/>
           <p:cNvSpPr txBox="1"/>
           <p:nvPr/>
         </p:nvSpPr>
         <p:spPr>
           <a:xfrm>
-            <a:off x="4646815" y="2413066"/>
+            <a:off x="6201295" y="2461465"/>
             <a:ext cx="1371600" cy="457200"/>
           </a:xfrm>
           <a:prstGeom prst="rect">
@@ -3314,14 +3314,14 @@
               </a:defRPr>
             </a:pPr>
             <a:r>
-              <a:t>AzureCosmos DB</a:t>
+              <a:t>Visual Studio</a:t>
             </a:r>
           </a:p>
         </p:txBody>
       </p:sp>
       <p:pic>
         <p:nvPicPr>
-          <p:cNvPr id="9" name="Picture 8" descr="Visual Studio.png"/>
+          <p:cNvPr id="13" name="Picture 12" descr="OSSDatabases.png"/>
           <p:cNvPicPr>
             <a:picLocks noChangeAspect="1"/>
           </p:cNvPicPr>
@@ -3335,8 +3335,8 @@
         </p:blipFill>
         <p:spPr>
           <a:xfrm>
-            <a:off x="6658495" y="2012838"/>
-            <a:ext cx="457200" cy="357187"/>
+            <a:off x="3549535" y="3098866"/>
+            <a:ext cx="457200" cy="457200"/>
           </a:xfrm>
           <a:prstGeom prst="rect">
             <a:avLst/>
@@ -3345,13 +3345,13 @@
       </p:pic>
       <p:sp>
         <p:nvSpPr>
-          <p:cNvPr id="10" name="TextBox 9"/>
+          <p:cNvPr id="14" name="TextBox 13"/>
           <p:cNvSpPr txBox="1"/>
           <p:nvPr/>
         </p:nvSpPr>
         <p:spPr>
           <a:xfrm>
-            <a:off x="6201295" y="2461465"/>
+            <a:off x="3092335" y="3647506"/>
             <a:ext cx="1371600" cy="457200"/>
           </a:xfrm>
           <a:prstGeom prst="rect">
@@ -3373,14 +3373,14 @@
               </a:defRPr>
             </a:pPr>
             <a:r>
-              <a:t>Visual Studio</a:t>
+              <a:t>OSSDatabases</a:t>
             </a:r>
           </a:p>
         </p:txBody>
       </p:sp>
       <p:pic>
         <p:nvPicPr>
-          <p:cNvPr id="11" name="Picture 10" descr="CohereModel Family.png"/>
+          <p:cNvPr id="15" name="Picture 14" descr="AI SDK.png"/>
           <p:cNvPicPr>
             <a:picLocks noChangeAspect="1"/>
           </p:cNvPicPr>
@@ -3394,8 +3394,8 @@
         </p:blipFill>
         <p:spPr>
           <a:xfrm>
-            <a:off x="1995055" y="3053146"/>
-            <a:ext cx="457200" cy="468774"/>
+            <a:off x="5104015" y="3053146"/>
+            <a:ext cx="457200" cy="457200"/>
           </a:xfrm>
           <a:prstGeom prst="rect">
             <a:avLst/>
@@ -3404,13 +3404,13 @@
       </p:pic>
       <p:sp>
         <p:nvSpPr>
-          <p:cNvPr id="12" name="TextBox 11"/>
+          <p:cNvPr id="16" name="TextBox 15"/>
           <p:cNvSpPr txBox="1"/>
           <p:nvPr/>
         </p:nvSpPr>
         <p:spPr>
           <a:xfrm>
-            <a:off x="1537855" y="3613360"/>
+            <a:off x="4646815" y="3601786"/>
             <a:ext cx="1371600" cy="457200"/>
           </a:xfrm>
           <a:prstGeom prst="rect">
@@ -3432,14 +3432,14 @@
               </a:defRPr>
             </a:pPr>
             <a:r>
-              <a:t>CohereModel Family</a:t>
+              <a:t>AI SDK</a:t>
             </a:r>
           </a:p>
         </p:txBody>
       </p:sp>
       <p:pic>
         <p:nvPicPr>
-          <p:cNvPr id="13" name="Picture 12" descr="OSSDatabases.png"/>
+          <p:cNvPr id="17" name="Picture 16" descr="ORT.png"/>
           <p:cNvPicPr>
             <a:picLocks noChangeAspect="1"/>
           </p:cNvPicPr>
@@ -3453,7 +3453,7 @@
         </p:blipFill>
         <p:spPr>
           <a:xfrm>
-            <a:off x="3549535" y="3098866"/>
+            <a:off x="6658495" y="3098866"/>
             <a:ext cx="457200" cy="457200"/>
           </a:xfrm>
           <a:prstGeom prst="rect">
@@ -3463,14 +3463,14 @@
       </p:pic>
       <p:sp>
         <p:nvSpPr>
-          <p:cNvPr id="14" name="TextBox 13"/>
+          <p:cNvPr id="18" name="TextBox 17"/>
           <p:cNvSpPr txBox="1"/>
           <p:nvPr/>
         </p:nvSpPr>
         <p:spPr>
           <a:xfrm>
-            <a:off x="3092335" y="3647506"/>
-            <a:ext cx="1371600" cy="457200"/>
+            <a:off x="6201295" y="3647506"/>
+            <a:ext cx="1371600" cy="276999"/>
           </a:xfrm>
           <a:prstGeom prst="rect">
             <a:avLst/>
@@ -3491,14 +3491,14 @@
               </a:defRPr>
             </a:pPr>
             <a:r>
-              <a:t>OSSDatabases</a:t>
+              <a:t>ORT</a:t>
             </a:r>
           </a:p>
         </p:txBody>
       </p:sp>
       <p:pic>
         <p:nvPicPr>
-          <p:cNvPr id="15" name="Picture 14" descr="AI SDK.png"/>
+          <p:cNvPr id="19" name="Picture 18" descr="Azure Machine Learning.png"/>
           <p:cNvPicPr>
             <a:picLocks noChangeAspect="1"/>
           </p:cNvPicPr>
@@ -3512,8 +3512,8 @@
         </p:blipFill>
         <p:spPr>
           <a:xfrm>
-            <a:off x="5104015" y="3053146"/>
-            <a:ext cx="457200" cy="457200"/>
+            <a:off x="1995055" y="4241866"/>
+            <a:ext cx="457200" cy="491947"/>
           </a:xfrm>
           <a:prstGeom prst="rect">
             <a:avLst/>
@@ -3522,13 +3522,13 @@
       </p:pic>
       <p:sp>
         <p:nvSpPr>
-          <p:cNvPr id="16" name="TextBox 15"/>
+          <p:cNvPr id="20" name="TextBox 19"/>
           <p:cNvSpPr txBox="1"/>
           <p:nvPr/>
         </p:nvSpPr>
         <p:spPr>
           <a:xfrm>
-            <a:off x="4646815" y="3601786"/>
+            <a:off x="1537855" y="4825253"/>
             <a:ext cx="1371600" cy="457200"/>
           </a:xfrm>
           <a:prstGeom prst="rect">
@@ -3550,14 +3550,14 @@
               </a:defRPr>
             </a:pPr>
             <a:r>
-              <a:t>AI SDK</a:t>
+              <a:t>Azure Machine Learning</a:t>
             </a:r>
           </a:p>
         </p:txBody>
       </p:sp>
       <p:pic>
         <p:nvPicPr>
-          <p:cNvPr id="17" name="Picture 16" descr="ORT.png"/>
+          <p:cNvPr id="21" name="Picture 20" descr="Azure Red Hat OpenShift.png"/>
           <p:cNvPicPr>
             <a:picLocks noChangeAspect="1"/>
           </p:cNvPicPr>
@@ -3571,8 +3571,8 @@
         </p:blipFill>
         <p:spPr>
           <a:xfrm>
-            <a:off x="6658495" y="3098866"/>
-            <a:ext cx="457200" cy="457200"/>
+            <a:off x="3197578" y="4057206"/>
+            <a:ext cx="1161114" cy="774076"/>
           </a:xfrm>
           <a:prstGeom prst="rect">
             <a:avLst/>
@@ -3581,14 +3581,14 @@
       </p:pic>
       <p:sp>
         <p:nvSpPr>
-          <p:cNvPr id="18" name="TextBox 17"/>
+          <p:cNvPr id="22" name="TextBox 21"/>
           <p:cNvSpPr txBox="1"/>
           <p:nvPr/>
         </p:nvSpPr>
         <p:spPr>
           <a:xfrm>
-            <a:off x="6201295" y="3647506"/>
-            <a:ext cx="1371600" cy="276999"/>
+            <a:off x="3092335" y="4735584"/>
+            <a:ext cx="1371600" cy="457200"/>
           </a:xfrm>
           <a:prstGeom prst="rect">
             <a:avLst/>
@@ -3609,14 +3609,14 @@
               </a:defRPr>
             </a:pPr>
             <a:r>
-              <a:t>ORT</a:t>
+              <a:t>Azure Red Hat OpenShift</a:t>
             </a:r>
           </a:p>
         </p:txBody>
       </p:sp>
       <p:pic>
         <p:nvPicPr>
-          <p:cNvPr id="19" name="Picture 18" descr="Azure Machine Learning.png"/>
+          <p:cNvPr id="23" name="Picture 22" descr="Azure Spring Apps.png"/>
           <p:cNvPicPr>
             <a:picLocks noChangeAspect="1"/>
           </p:cNvPicPr>
@@ -3630,124 +3630,6 @@
         </p:blipFill>
         <p:spPr>
           <a:xfrm>
-            <a:off x="1995055" y="4241866"/>
-            <a:ext cx="457200" cy="491947"/>
-          </a:xfrm>
-          <a:prstGeom prst="rect">
-            <a:avLst/>
-          </a:prstGeom>
-        </p:spPr>
-      </p:pic>
-      <p:sp>
-        <p:nvSpPr>
-          <p:cNvPr id="20" name="TextBox 19"/>
-          <p:cNvSpPr txBox="1"/>
-          <p:nvPr/>
-        </p:nvSpPr>
-        <p:spPr>
-          <a:xfrm>
-            <a:off x="1537855" y="4825253"/>
-            <a:ext cx="1371600" cy="457200"/>
-          </a:xfrm>
-          <a:prstGeom prst="rect">
-            <a:avLst/>
-          </a:prstGeom>
-          <a:noFill/>
-        </p:spPr>
-        <p:txBody>
-          <a:bodyPr wrap="square">
-            <a:spAutoFit/>
-          </a:bodyPr>
-          <a:lstStyle/>
-          <a:p>
-            <a:pPr algn="ctr">
-              <a:defRPr sz="1200" b="1">
-                <a:solidFill>
-                  <a:srgbClr val="000000"/>
-                </a:solidFill>
-              </a:defRPr>
-            </a:pPr>
-            <a:r>
-              <a:t>Azure Machine Learning</a:t>
-            </a:r>
-          </a:p>
-        </p:txBody>
-      </p:sp>
-      <p:pic>
-        <p:nvPicPr>
-          <p:cNvPr id="21" name="Picture 20" descr="Azure Red Hat OpenShift.png"/>
-          <p:cNvPicPr>
-            <a:picLocks noChangeAspect="1"/>
-          </p:cNvPicPr>
-          <p:nvPr/>
-        </p:nvPicPr>
-        <p:blipFill>
-          <a:blip r:embed="rId11"/>
-          <a:stretch>
-            <a:fillRect/>
-          </a:stretch>
-        </p:blipFill>
-        <p:spPr>
-          <a:xfrm>
-            <a:off x="3197578" y="4057206"/>
-            <a:ext cx="1161114" cy="774076"/>
-          </a:xfrm>
-          <a:prstGeom prst="rect">
-            <a:avLst/>
-          </a:prstGeom>
-        </p:spPr>
-      </p:pic>
-      <p:sp>
-        <p:nvSpPr>
-          <p:cNvPr id="22" name="TextBox 21"/>
-          <p:cNvSpPr txBox="1"/>
-          <p:nvPr/>
-        </p:nvSpPr>
-        <p:spPr>
-          <a:xfrm>
-            <a:off x="3092335" y="4735584"/>
-            <a:ext cx="1371600" cy="457200"/>
-          </a:xfrm>
-          <a:prstGeom prst="rect">
-            <a:avLst/>
-          </a:prstGeom>
-          <a:noFill/>
-        </p:spPr>
-        <p:txBody>
-          <a:bodyPr wrap="square">
-            <a:spAutoFit/>
-          </a:bodyPr>
-          <a:lstStyle/>
-          <a:p>
-            <a:pPr algn="ctr">
-              <a:defRPr sz="1200" b="1">
-                <a:solidFill>
-                  <a:srgbClr val="000000"/>
-                </a:solidFill>
-              </a:defRPr>
-            </a:pPr>
-            <a:r>
-              <a:t>Azure Red Hat OpenShift</a:t>
-            </a:r>
-          </a:p>
-        </p:txBody>
-      </p:sp>
-      <p:pic>
-        <p:nvPicPr>
-          <p:cNvPr id="23" name="Picture 22" descr="Azure Spring Apps.png"/>
-          <p:cNvPicPr>
-            <a:picLocks noChangeAspect="1"/>
-          </p:cNvPicPr>
-          <p:nvPr/>
-        </p:nvPicPr>
-        <p:blipFill>
-          <a:blip r:embed="rId12"/>
-          <a:stretch>
-            <a:fillRect/>
-          </a:stretch>
-        </p:blipFill>
-        <p:spPr>
-          <a:xfrm>
             <a:off x="5104015" y="4241866"/>
             <a:ext cx="457200" cy="457200"/>
           </a:xfrm>
@@ -3800,7 +3682,7 @@
           <p:nvPr/>
         </p:nvPicPr>
         <p:blipFill>
-          <a:blip r:embed="rId5"/>
+          <a:blip r:embed="rId4"/>
           <a:stretch>
             <a:fillRect/>
           </a:stretch>
